--- a/cheat_sheet/antares_cheat_sheet_fr.pptx
+++ b/cheat_sheet/antares_cheat_sheet_fr.pptx
@@ -243,7 +243,7 @@
           <a:p>
             <a:fld id="{DF67CDC5-8101-4B0E-AAFB-FAC6D687EBFB}" type="datetimeFigureOut">
               <a:rPr lang="fr-FR" smtClean="0"/>
-              <a:t>25/05/2016</a:t>
+              <a:t>21/06/2016</a:t>
             </a:fld>
             <a:endParaRPr lang="fr-FR"/>
           </a:p>
@@ -413,7 +413,7 @@
           <a:p>
             <a:fld id="{DF67CDC5-8101-4B0E-AAFB-FAC6D687EBFB}" type="datetimeFigureOut">
               <a:rPr lang="fr-FR" smtClean="0"/>
-              <a:t>25/05/2016</a:t>
+              <a:t>21/06/2016</a:t>
             </a:fld>
             <a:endParaRPr lang="fr-FR"/>
           </a:p>
@@ -593,7 +593,7 @@
           <a:p>
             <a:fld id="{DF67CDC5-8101-4B0E-AAFB-FAC6D687EBFB}" type="datetimeFigureOut">
               <a:rPr lang="fr-FR" smtClean="0"/>
-              <a:t>25/05/2016</a:t>
+              <a:t>21/06/2016</a:t>
             </a:fld>
             <a:endParaRPr lang="fr-FR"/>
           </a:p>
@@ -763,7 +763,7 @@
           <a:p>
             <a:fld id="{DF67CDC5-8101-4B0E-AAFB-FAC6D687EBFB}" type="datetimeFigureOut">
               <a:rPr lang="fr-FR" smtClean="0"/>
-              <a:t>25/05/2016</a:t>
+              <a:t>21/06/2016</a:t>
             </a:fld>
             <a:endParaRPr lang="fr-FR"/>
           </a:p>
@@ -1007,7 +1007,7 @@
           <a:p>
             <a:fld id="{DF67CDC5-8101-4B0E-AAFB-FAC6D687EBFB}" type="datetimeFigureOut">
               <a:rPr lang="fr-FR" smtClean="0"/>
-              <a:t>25/05/2016</a:t>
+              <a:t>21/06/2016</a:t>
             </a:fld>
             <a:endParaRPr lang="fr-FR"/>
           </a:p>
@@ -1239,7 +1239,7 @@
           <a:p>
             <a:fld id="{DF67CDC5-8101-4B0E-AAFB-FAC6D687EBFB}" type="datetimeFigureOut">
               <a:rPr lang="fr-FR" smtClean="0"/>
-              <a:t>25/05/2016</a:t>
+              <a:t>21/06/2016</a:t>
             </a:fld>
             <a:endParaRPr lang="fr-FR"/>
           </a:p>
@@ -1606,7 +1606,7 @@
           <a:p>
             <a:fld id="{DF67CDC5-8101-4B0E-AAFB-FAC6D687EBFB}" type="datetimeFigureOut">
               <a:rPr lang="fr-FR" smtClean="0"/>
-              <a:t>25/05/2016</a:t>
+              <a:t>21/06/2016</a:t>
             </a:fld>
             <a:endParaRPr lang="fr-FR"/>
           </a:p>
@@ -1724,7 +1724,7 @@
           <a:p>
             <a:fld id="{DF67CDC5-8101-4B0E-AAFB-FAC6D687EBFB}" type="datetimeFigureOut">
               <a:rPr lang="fr-FR" smtClean="0"/>
-              <a:t>25/05/2016</a:t>
+              <a:t>21/06/2016</a:t>
             </a:fld>
             <a:endParaRPr lang="fr-FR"/>
           </a:p>
@@ -1819,7 +1819,7 @@
           <a:p>
             <a:fld id="{DF67CDC5-8101-4B0E-AAFB-FAC6D687EBFB}" type="datetimeFigureOut">
               <a:rPr lang="fr-FR" smtClean="0"/>
-              <a:t>25/05/2016</a:t>
+              <a:t>21/06/2016</a:t>
             </a:fld>
             <a:endParaRPr lang="fr-FR"/>
           </a:p>
@@ -2096,7 +2096,7 @@
           <a:p>
             <a:fld id="{DF67CDC5-8101-4B0E-AAFB-FAC6D687EBFB}" type="datetimeFigureOut">
               <a:rPr lang="fr-FR" smtClean="0"/>
-              <a:t>25/05/2016</a:t>
+              <a:t>21/06/2016</a:t>
             </a:fld>
             <a:endParaRPr lang="fr-FR"/>
           </a:p>
@@ -2353,7 +2353,7 @@
           <a:p>
             <a:fld id="{DF67CDC5-8101-4B0E-AAFB-FAC6D687EBFB}" type="datetimeFigureOut">
               <a:rPr lang="fr-FR" smtClean="0"/>
-              <a:t>25/05/2016</a:t>
+              <a:t>21/06/2016</a:t>
             </a:fld>
             <a:endParaRPr lang="fr-FR"/>
           </a:p>
@@ -2566,7 +2566,7 @@
           <a:p>
             <a:fld id="{DF67CDC5-8101-4B0E-AAFB-FAC6D687EBFB}" type="datetimeFigureOut">
               <a:rPr lang="fr-FR" smtClean="0"/>
-              <a:t>25/05/2016</a:t>
+              <a:t>21/06/2016</a:t>
             </a:fld>
             <a:endParaRPr lang="fr-FR"/>
           </a:p>
@@ -3010,15 +3010,15 @@
           <a:p>
             <a:pPr algn="ctr"/>
             <a:r>
-              <a:rPr lang="fr-FR" sz="2400" b="1" dirty="0" smtClean="0"/>
+              <a:rPr lang="fr-FR" b="1" dirty="0" smtClean="0"/>
               <a:t>Le package « </a:t>
             </a:r>
             <a:r>
-              <a:rPr lang="fr-FR" sz="2400" b="1" dirty="0" err="1" smtClean="0"/>
-              <a:t>antares</a:t>
-            </a:r>
-            <a:r>
-              <a:rPr lang="fr-FR" sz="2400" b="1" dirty="0" smtClean="0"/>
+              <a:rPr lang="fr-FR" b="1" dirty="0" err="1" smtClean="0"/>
+              <a:t>antaresRead</a:t>
+            </a:r>
+            <a:r>
+              <a:rPr lang="fr-FR" b="1" dirty="0" smtClean="0"/>
               <a:t> »</a:t>
             </a:r>
           </a:p>
@@ -3802,7 +3802,35 @@
                 <a:latin typeface="Courier New" panose="02070309020205020404" pitchFamily="49" charset="0"/>
                 <a:cs typeface="Courier New" panose="02070309020205020404" pitchFamily="49" charset="0"/>
               </a:rPr>
-              <a:t>"chemin/antaresXXX.zip"</a:t>
+              <a:t>"</a:t>
+            </a:r>
+            <a:r>
+              <a:rPr kumimoji="0" lang="fr-FR" altLang="fr-FR" sz="800" b="0" i="0" u="none" strike="noStrike" cap="none" normalizeH="0" baseline="0" dirty="0" smtClean="0">
+                <a:ln>
+                  <a:noFill/>
+                </a:ln>
+                <a:solidFill>
+                  <a:srgbClr val="DD1144"/>
+                </a:solidFill>
+                <a:effectLst/>
+                <a:latin typeface="Courier New" panose="02070309020205020404" pitchFamily="49" charset="0"/>
+                <a:cs typeface="Courier New" panose="02070309020205020404" pitchFamily="49" charset="0"/>
+              </a:rPr>
+              <a:t>chemin/antaresReadXXX.zip</a:t>
+            </a:r>
+            <a:r>
+              <a:rPr kumimoji="0" lang="fr-FR" altLang="fr-FR" sz="800" b="0" i="0" u="none" strike="noStrike" cap="none" normalizeH="0" baseline="0" dirty="0" smtClean="0">
+                <a:ln>
+                  <a:noFill/>
+                </a:ln>
+                <a:solidFill>
+                  <a:srgbClr val="DD1144"/>
+                </a:solidFill>
+                <a:effectLst/>
+                <a:latin typeface="Courier New" panose="02070309020205020404" pitchFamily="49" charset="0"/>
+                <a:cs typeface="Courier New" panose="02070309020205020404" pitchFamily="49" charset="0"/>
+              </a:rPr>
+              <a:t>"</a:t>
             </a:r>
             <a:r>
               <a:rPr kumimoji="0" lang="fr-FR" altLang="fr-FR" sz="800" b="0" i="0" u="none" strike="noStrike" cap="none" normalizeH="0" baseline="0" dirty="0" smtClean="0">
@@ -4343,7 +4371,7 @@
                 <a:latin typeface="Courier New" panose="02070309020205020404" pitchFamily="49" charset="0"/>
                 <a:cs typeface="Courier New" panose="02070309020205020404" pitchFamily="49" charset="0"/>
               </a:rPr>
-              <a:t>antares</a:t>
+              <a:t>antaresRead</a:t>
             </a:r>
             <a:r>
               <a:rPr kumimoji="0" lang="fr-FR" altLang="fr-FR" sz="1000" b="0" i="0" u="none" strike="noStrike" cap="none" normalizeH="0" baseline="0" dirty="0" smtClean="0">
@@ -7847,13 +7875,8 @@
             </a:r>
             <a:r>
               <a:rPr lang="fr-FR" sz="1000" dirty="0" smtClean="0"/>
-              <a:t> : récupérer les options par défaut ou les options utilisées pour créer un objet </a:t>
-            </a:r>
-            <a:r>
-              <a:rPr lang="fr-FR" sz="1000" dirty="0" smtClean="0"/>
-              <a:t>donné</a:t>
-            </a:r>
-            <a:endParaRPr lang="fr-FR" sz="1000" dirty="0" smtClean="0"/>
+              <a:t> : récupérer les options par défaut ou les options utilisées pour créer un objet donné</a:t>
+            </a:r>
           </a:p>
           <a:p>
             <a:endParaRPr lang="fr-FR" dirty="0"/>
